--- a/climb and Destroy.pptx
+++ b/climb and Destroy.pptx
@@ -5,7 +5,7 @@
     <p:sldMasterId id="2147483648" r:id="rId1"/>
   </p:sldMasterIdLst>
   <p:notesMasterIdLst>
-    <p:notesMasterId r:id="rId25"/>
+    <p:notesMasterId r:id="rId26"/>
   </p:notesMasterIdLst>
   <p:sldIdLst>
     <p:sldId id="256" r:id="rId2"/>
@@ -22,15 +22,16 @@
     <p:sldId id="289" r:id="rId13"/>
     <p:sldId id="286" r:id="rId14"/>
     <p:sldId id="287" r:id="rId15"/>
-    <p:sldId id="288" r:id="rId16"/>
-    <p:sldId id="291" r:id="rId17"/>
-    <p:sldId id="284" r:id="rId18"/>
-    <p:sldId id="272" r:id="rId19"/>
-    <p:sldId id="292" r:id="rId20"/>
-    <p:sldId id="293" r:id="rId21"/>
-    <p:sldId id="290" r:id="rId22"/>
-    <p:sldId id="285" r:id="rId23"/>
-    <p:sldId id="264" r:id="rId24"/>
+    <p:sldId id="291" r:id="rId16"/>
+    <p:sldId id="284" r:id="rId17"/>
+    <p:sldId id="272" r:id="rId18"/>
+    <p:sldId id="292" r:id="rId19"/>
+    <p:sldId id="293" r:id="rId20"/>
+    <p:sldId id="290" r:id="rId21"/>
+    <p:sldId id="285" r:id="rId22"/>
+    <p:sldId id="294" r:id="rId23"/>
+    <p:sldId id="295" r:id="rId24"/>
+    <p:sldId id="264" r:id="rId25"/>
   </p:sldIdLst>
   <p:sldSz cx="9144000" cy="6858000" type="screen4x3"/>
   <p:notesSz cx="6858000" cy="9144000"/>
@@ -3713,7 +3714,6 @@
               <a:rPr lang="en-US" altLang="ko-KR" sz="1400" dirty="0" smtClean="0"/>
               <a:t>2018.12.3</a:t>
             </a:r>
-            <a:endParaRPr lang="en-US" altLang="ko-KR" sz="1400" dirty="0" smtClean="0"/>
           </a:p>
           <a:p>
             <a:pPr algn="r"/>
@@ -3727,11 +3727,7 @@
             <a:pPr algn="r"/>
             <a:r>
               <a:rPr lang="en-US" altLang="ko-KR" sz="1400" dirty="0" smtClean="0"/>
-              <a:t>VER </a:t>
-            </a:r>
-            <a:r>
-              <a:rPr lang="en-US" altLang="ko-KR" sz="1400" dirty="0" smtClean="0"/>
-              <a:t>0.1</a:t>
+              <a:t>VER 0.1</a:t>
             </a:r>
             <a:endParaRPr lang="ko-KR" altLang="en-US" sz="1400" dirty="0"/>
           </a:p>
@@ -3990,7 +3986,6 @@
               <a:rPr lang="ko-KR" altLang="en-US" sz="1600" dirty="0"/>
               <a:t>택</a:t>
             </a:r>
-            <a:endParaRPr lang="ko-KR" altLang="en-US" sz="1600" dirty="0"/>
           </a:p>
         </p:txBody>
       </p:sp>
@@ -4306,7 +4301,6 @@
               <a:rPr lang="ko-KR" altLang="en-US" sz="1600" dirty="0"/>
               <a:t>택</a:t>
             </a:r>
-            <a:endParaRPr lang="ko-KR" altLang="en-US" sz="1600" dirty="0"/>
           </a:p>
         </p:txBody>
       </p:sp>
@@ -4516,7 +4510,6 @@
               <a:rPr lang="ko-KR" altLang="en-US" sz="1600" dirty="0"/>
               <a:t>행</a:t>
             </a:r>
-            <a:endParaRPr lang="ko-KR" altLang="en-US" sz="1600" dirty="0"/>
           </a:p>
         </p:txBody>
       </p:sp>
@@ -5044,8 +5037,8 @@
         </p:blipFill>
         <p:spPr>
           <a:xfrm>
-            <a:off x="1187624" y="1600201"/>
-            <a:ext cx="6768752" cy="3628999"/>
+            <a:off x="827584" y="1600201"/>
+            <a:ext cx="7488832" cy="3628999"/>
           </a:xfrm>
         </p:spPr>
       </p:pic>
@@ -5118,7 +5111,6 @@
               <a:rPr lang="ko-KR" altLang="en-US" dirty="0"/>
               <a:t>식</a:t>
             </a:r>
-            <a:endParaRPr lang="ko-KR" altLang="en-US" dirty="0"/>
           </a:p>
         </p:txBody>
       </p:sp>
@@ -5312,104 +5304,6 @@
             </a:r>
             <a:r>
               <a:rPr lang="ko-KR" altLang="en-US" dirty="0" smtClean="0"/>
-              <a:t>미지</a:t>
-            </a:r>
-            <a:endParaRPr lang="ko-KR" altLang="en-US" dirty="0"/>
-          </a:p>
-        </p:txBody>
-      </p:sp>
-      <p:pic>
-        <p:nvPicPr>
-          <p:cNvPr id="10" name="내용 개체 틀 9"/>
-          <p:cNvPicPr>
-            <a:picLocks noGrp="1" noChangeAspect="1"/>
-          </p:cNvPicPr>
-          <p:nvPr>
-            <p:ph idx="1"/>
-          </p:nvPr>
-        </p:nvPicPr>
-        <p:blipFill>
-          <a:blip r:embed="rId2">
-            <a:extLst>
-              <a:ext uri="{28A0092B-C50C-407E-A947-70E740481C1C}">
-                <a14:useLocalDpi xmlns:a14="http://schemas.microsoft.com/office/drawing/2010/main" val="0"/>
-              </a:ext>
-            </a:extLst>
-          </a:blip>
-          <a:stretch>
-            <a:fillRect/>
-          </a:stretch>
-        </p:blipFill>
-        <p:spPr>
-          <a:xfrm>
-            <a:off x="1660600" y="1600201"/>
-            <a:ext cx="5822800" cy="3628999"/>
-          </a:xfrm>
-        </p:spPr>
-      </p:pic>
-    </p:spTree>
-    <p:extLst>
-      <p:ext uri="{BB962C8B-B14F-4D97-AF65-F5344CB8AC3E}">
-        <p14:creationId xmlns:p14="http://schemas.microsoft.com/office/powerpoint/2010/main" val="2537704533"/>
-      </p:ext>
-    </p:extLst>
-  </p:cSld>
-  <p:clrMapOvr>
-    <a:masterClrMapping/>
-  </p:clrMapOvr>
-  <p:timing>
-    <p:tnLst>
-      <p:par>
-        <p:cTn id="1" dur="indefinite" restart="never" nodeType="tmRoot"/>
-      </p:par>
-    </p:tnLst>
-  </p:timing>
-</p:sld>
-</file>
-
-<file path=ppt/slides/slide16.xml><?xml version="1.0" encoding="utf-8"?>
-<p:sld xmlns:a="http://schemas.openxmlformats.org/drawingml/2006/main" xmlns:r="http://schemas.openxmlformats.org/officeDocument/2006/relationships" xmlns:p="http://schemas.openxmlformats.org/presentationml/2006/main">
-  <p:cSld>
-    <p:spTree>
-      <p:nvGrpSpPr>
-        <p:cNvPr id="1" name=""/>
-        <p:cNvGrpSpPr/>
-        <p:nvPr/>
-      </p:nvGrpSpPr>
-      <p:grpSpPr>
-        <a:xfrm>
-          <a:off x="0" y="0"/>
-          <a:ext cx="0" cy="0"/>
-          <a:chOff x="0" y="0"/>
-          <a:chExt cx="0" cy="0"/>
-        </a:xfrm>
-      </p:grpSpPr>
-      <p:sp>
-        <p:nvSpPr>
-          <p:cNvPr id="2" name="제목 1"/>
-          <p:cNvSpPr>
-            <a:spLocks noGrp="1"/>
-          </p:cNvSpPr>
-          <p:nvPr>
-            <p:ph type="title"/>
-          </p:nvPr>
-        </p:nvSpPr>
-        <p:spPr/>
-        <p:txBody>
-          <a:bodyPr/>
-          <a:lstStyle/>
-          <a:p>
-            <a:pPr algn="l"/>
-            <a:r>
-              <a:rPr lang="ko-KR" altLang="en-US" dirty="0" smtClean="0"/>
-              <a:t>서브 시스템 </a:t>
-            </a:r>
-            <a:r>
-              <a:rPr lang="en-US" altLang="ko-KR" dirty="0" smtClean="0"/>
-              <a:t>– </a:t>
-            </a:r>
-            <a:r>
-              <a:rPr lang="ko-KR" altLang="en-US" dirty="0" smtClean="0"/>
               <a:t>보물상자</a:t>
             </a:r>
             <a:endParaRPr lang="ko-KR" altLang="en-US" dirty="0"/>
@@ -5465,6 +5359,136 @@
 </p:sld>
 </file>
 
+<file path=ppt/slides/slide16.xml><?xml version="1.0" encoding="utf-8"?>
+<p:sld xmlns:a="http://schemas.openxmlformats.org/drawingml/2006/main" xmlns:r="http://schemas.openxmlformats.org/officeDocument/2006/relationships" xmlns:p="http://schemas.openxmlformats.org/presentationml/2006/main">
+  <p:cSld>
+    <p:spTree>
+      <p:nvGrpSpPr>
+        <p:cNvPr id="1" name=""/>
+        <p:cNvGrpSpPr/>
+        <p:nvPr/>
+      </p:nvGrpSpPr>
+      <p:grpSpPr>
+        <a:xfrm>
+          <a:off x="0" y="0"/>
+          <a:ext cx="0" cy="0"/>
+          <a:chOff x="0" y="0"/>
+          <a:chExt cx="0" cy="0"/>
+        </a:xfrm>
+      </p:grpSpPr>
+      <p:sp>
+        <p:nvSpPr>
+          <p:cNvPr id="2" name="제목 1"/>
+          <p:cNvSpPr>
+            <a:spLocks noGrp="1"/>
+          </p:cNvSpPr>
+          <p:nvPr>
+            <p:ph type="title"/>
+          </p:nvPr>
+        </p:nvSpPr>
+        <p:spPr/>
+        <p:txBody>
+          <a:bodyPr/>
+          <a:lstStyle/>
+          <a:p>
+            <a:pPr algn="l"/>
+            <a:r>
+              <a:rPr lang="ko-KR" altLang="en-US" dirty="0" smtClean="0"/>
+              <a:t>수익 모델 </a:t>
+            </a:r>
+            <a:r>
+              <a:rPr lang="en-US" altLang="ko-KR" dirty="0" smtClean="0"/>
+              <a:t>- </a:t>
+            </a:r>
+            <a:r>
+              <a:rPr lang="ko-KR" altLang="en-US" dirty="0" smtClean="0"/>
+              <a:t>광고</a:t>
+            </a:r>
+            <a:endParaRPr lang="ko-KR" altLang="en-US" dirty="0"/>
+          </a:p>
+        </p:txBody>
+      </p:sp>
+      <p:sp>
+        <p:nvSpPr>
+          <p:cNvPr id="3" name="내용 개체 틀 2"/>
+          <p:cNvSpPr>
+            <a:spLocks noGrp="1"/>
+          </p:cNvSpPr>
+          <p:nvPr>
+            <p:ph idx="1"/>
+          </p:nvPr>
+        </p:nvSpPr>
+        <p:spPr/>
+        <p:txBody>
+          <a:bodyPr>
+            <a:normAutofit/>
+          </a:bodyPr>
+          <a:lstStyle/>
+          <a:p>
+            <a:r>
+              <a:rPr lang="ko-KR" altLang="en-US" sz="1600" dirty="0" smtClean="0"/>
+              <a:t>휴식시간을 주기 위함</a:t>
+            </a:r>
+            <a:endParaRPr lang="en-US" altLang="ko-KR" sz="1600" dirty="0" smtClean="0"/>
+          </a:p>
+          <a:p>
+            <a:endParaRPr lang="en-US" altLang="ko-KR" sz="1600" dirty="0"/>
+          </a:p>
+          <a:p>
+            <a:r>
+              <a:rPr lang="en-US" altLang="ko-KR" sz="1600" dirty="0" smtClean="0"/>
+              <a:t>10</a:t>
+            </a:r>
+            <a:r>
+              <a:rPr lang="ko-KR" altLang="en-US" sz="1600" dirty="0" smtClean="0"/>
+              <a:t>개 층 이벤트 후 실</a:t>
+            </a:r>
+            <a:r>
+              <a:rPr lang="ko-KR" altLang="en-US" sz="1600" dirty="0"/>
+              <a:t>행</a:t>
+            </a:r>
+            <a:endParaRPr lang="en-US" altLang="ko-KR" sz="1600" dirty="0"/>
+          </a:p>
+          <a:p>
+            <a:endParaRPr lang="en-US" altLang="ko-KR" sz="1600" dirty="0"/>
+          </a:p>
+          <a:p>
+            <a:r>
+              <a:rPr lang="en-US" altLang="ko-KR" sz="1600" dirty="0" err="1" smtClean="0"/>
+              <a:t>UnityEngine.Advertisements</a:t>
+            </a:r>
+            <a:r>
+              <a:rPr lang="en-US" altLang="ko-KR" sz="1600" dirty="0" smtClean="0"/>
+              <a:t> </a:t>
+            </a:r>
+            <a:r>
+              <a:rPr lang="ko-KR" altLang="en-US" sz="1600" dirty="0" smtClean="0"/>
+              <a:t>사용</a:t>
+            </a:r>
+            <a:endParaRPr lang="ko-KR" altLang="en-US" sz="1600" dirty="0"/>
+          </a:p>
+        </p:txBody>
+      </p:sp>
+    </p:spTree>
+    <p:extLst>
+      <p:ext uri="{BB962C8B-B14F-4D97-AF65-F5344CB8AC3E}">
+        <p14:creationId xmlns:p14="http://schemas.microsoft.com/office/powerpoint/2010/main" val="1122718468"/>
+      </p:ext>
+    </p:extLst>
+  </p:cSld>
+  <p:clrMapOvr>
+    <a:masterClrMapping/>
+  </p:clrMapOvr>
+  <p:timing>
+    <p:tnLst>
+      <p:par>
+        <p:cTn id="1" dur="indefinite" restart="never" nodeType="tmRoot"/>
+      </p:par>
+    </p:tnLst>
+  </p:timing>
+</p:sld>
+</file>
+
 <file path=ppt/slides/slide17.xml><?xml version="1.0" encoding="utf-8"?>
 <p:sld xmlns:a="http://schemas.openxmlformats.org/drawingml/2006/main" xmlns:r="http://schemas.openxmlformats.org/officeDocument/2006/relationships" xmlns:p="http://schemas.openxmlformats.org/presentationml/2006/main">
   <p:cSld>
@@ -5500,7 +5524,7 @@
             <a:pPr algn="l"/>
             <a:r>
               <a:rPr lang="ko-KR" altLang="en-US" dirty="0" smtClean="0"/>
-              <a:t>수익 모델 </a:t>
+              <a:t>카드 데이터 </a:t>
             </a:r>
             <a:r>
               <a:rPr lang="en-US" altLang="ko-KR" dirty="0" smtClean="0"/>
@@ -5508,7 +5532,7 @@
             </a:r>
             <a:r>
               <a:rPr lang="ko-KR" altLang="en-US" dirty="0" smtClean="0"/>
-              <a:t>광고</a:t>
+              <a:t>기본</a:t>
             </a:r>
             <a:endParaRPr lang="ko-KR" altLang="en-US" dirty="0"/>
           </a:p>
@@ -5526,67 +5550,17 @@
         </p:nvSpPr>
         <p:spPr/>
         <p:txBody>
-          <a:bodyPr>
-            <a:normAutofit/>
-          </a:bodyPr>
-          <a:lstStyle/>
-          <a:p>
-            <a:r>
-              <a:rPr lang="ko-KR" altLang="en-US" sz="1600" dirty="0" smtClean="0"/>
-              <a:t>휴식시간을 </a:t>
-            </a:r>
-            <a:r>
-              <a:rPr lang="ko-KR" altLang="en-US" sz="1600" dirty="0" smtClean="0"/>
-              <a:t>주기 위함</a:t>
-            </a:r>
-            <a:endParaRPr lang="en-US" altLang="ko-KR" sz="1600" dirty="0" smtClean="0"/>
-          </a:p>
-          <a:p>
-            <a:endParaRPr lang="en-US" altLang="ko-KR" sz="1600" dirty="0"/>
-          </a:p>
-          <a:p>
-            <a:r>
-              <a:rPr lang="en-US" altLang="ko-KR" sz="1600" dirty="0" smtClean="0"/>
-              <a:t>10</a:t>
-            </a:r>
-            <a:r>
-              <a:rPr lang="ko-KR" altLang="en-US" sz="1600" dirty="0" smtClean="0"/>
-              <a:t>개 층 이벤트 후 </a:t>
-            </a:r>
-            <a:r>
-              <a:rPr lang="ko-KR" altLang="en-US" sz="1600" dirty="0" smtClean="0"/>
-              <a:t>실</a:t>
-            </a:r>
-            <a:r>
-              <a:rPr lang="ko-KR" altLang="en-US" sz="1600" dirty="0"/>
-              <a:t>행</a:t>
-            </a:r>
-            <a:endParaRPr lang="en-US" altLang="ko-KR" sz="1600" dirty="0"/>
-          </a:p>
-          <a:p>
-            <a:endParaRPr lang="en-US" altLang="ko-KR" sz="1600" dirty="0"/>
-          </a:p>
-          <a:p>
-            <a:r>
-              <a:rPr lang="en-US" altLang="ko-KR" sz="1600" dirty="0" err="1" smtClean="0"/>
-              <a:t>UnityEngine.Advertisements</a:t>
-            </a:r>
-            <a:r>
-              <a:rPr lang="en-US" altLang="ko-KR" sz="1600" dirty="0" smtClean="0"/>
-              <a:t> </a:t>
-            </a:r>
-            <a:r>
-              <a:rPr lang="ko-KR" altLang="en-US" sz="1600" dirty="0" smtClean="0"/>
-              <a:t>사용</a:t>
-            </a:r>
-            <a:endParaRPr lang="ko-KR" altLang="en-US" sz="1600" dirty="0"/>
+          <a:bodyPr/>
+          <a:lstStyle/>
+          <a:p>
+            <a:endParaRPr lang="ko-KR" altLang="en-US"/>
           </a:p>
         </p:txBody>
       </p:sp>
     </p:spTree>
     <p:extLst>
       <p:ext uri="{BB962C8B-B14F-4D97-AF65-F5344CB8AC3E}">
-        <p14:creationId xmlns:p14="http://schemas.microsoft.com/office/powerpoint/2010/main" val="1122718468"/>
+        <p14:creationId xmlns:p14="http://schemas.microsoft.com/office/powerpoint/2010/main" val="555787005"/>
       </p:ext>
     </p:extLst>
   </p:cSld>
@@ -5646,7 +5620,7 @@
             </a:r>
             <a:r>
               <a:rPr lang="ko-KR" altLang="en-US" dirty="0" smtClean="0"/>
-              <a:t>기본</a:t>
+              <a:t>희귀</a:t>
             </a:r>
             <a:endParaRPr lang="ko-KR" altLang="en-US" dirty="0"/>
           </a:p>
@@ -5674,7 +5648,7 @@
     </p:spTree>
     <p:extLst>
       <p:ext uri="{BB962C8B-B14F-4D97-AF65-F5344CB8AC3E}">
-        <p14:creationId xmlns:p14="http://schemas.microsoft.com/office/powerpoint/2010/main" val="555787005"/>
+        <p14:creationId xmlns:p14="http://schemas.microsoft.com/office/powerpoint/2010/main" val="2645624464"/>
       </p:ext>
     </p:extLst>
   </p:cSld>
@@ -5734,7 +5708,7 @@
             </a:r>
             <a:r>
               <a:rPr lang="ko-KR" altLang="en-US" dirty="0" smtClean="0"/>
-              <a:t>희귀</a:t>
+              <a:t>전설</a:t>
             </a:r>
             <a:endParaRPr lang="ko-KR" altLang="en-US" dirty="0"/>
           </a:p>
@@ -5755,7 +5729,7 @@
           <a:bodyPr/>
           <a:lstStyle/>
           <a:p>
-            <a:endParaRPr lang="ko-KR" altLang="en-US"/>
+            <a:endParaRPr lang="ko-KR" altLang="en-US" dirty="0"/>
           </a:p>
         </p:txBody>
       </p:sp>
@@ -5976,15 +5950,7 @@
             <a:pPr algn="l"/>
             <a:r>
               <a:rPr lang="ko-KR" altLang="en-US" dirty="0" smtClean="0"/>
-              <a:t>카드 데이터 </a:t>
-            </a:r>
-            <a:r>
-              <a:rPr lang="en-US" altLang="ko-KR" dirty="0" smtClean="0"/>
-              <a:t>- </a:t>
-            </a:r>
-            <a:r>
-              <a:rPr lang="ko-KR" altLang="en-US" dirty="0" smtClean="0"/>
-              <a:t>전설</a:t>
+              <a:t>아이템 데이터</a:t>
             </a:r>
             <a:endParaRPr lang="ko-KR" altLang="en-US" dirty="0"/>
           </a:p>
@@ -6005,14 +5971,14 @@
           <a:bodyPr/>
           <a:lstStyle/>
           <a:p>
-            <a:endParaRPr lang="ko-KR" altLang="en-US" dirty="0"/>
+            <a:endParaRPr lang="ko-KR" altLang="en-US"/>
           </a:p>
         </p:txBody>
       </p:sp>
     </p:spTree>
     <p:extLst>
       <p:ext uri="{BB962C8B-B14F-4D97-AF65-F5344CB8AC3E}">
-        <p14:creationId xmlns:p14="http://schemas.microsoft.com/office/powerpoint/2010/main" val="2645624464"/>
+        <p14:creationId xmlns:p14="http://schemas.microsoft.com/office/powerpoint/2010/main" val="1286099119"/>
       </p:ext>
     </p:extLst>
   </p:cSld>
@@ -6063,8 +6029,24 @@
           <a:p>
             <a:pPr algn="l"/>
             <a:r>
+              <a:rPr lang="ko-KR" altLang="en-US" dirty="0" err="1" smtClean="0"/>
+              <a:t>몬스터</a:t>
+            </a:r>
+            <a:r>
               <a:rPr lang="ko-KR" altLang="en-US" dirty="0" smtClean="0"/>
-              <a:t>아이템 데이터</a:t>
+              <a:t> </a:t>
+            </a:r>
+            <a:r>
+              <a:rPr lang="ko-KR" altLang="en-US" dirty="0" smtClean="0"/>
+              <a:t>데이터 </a:t>
+            </a:r>
+            <a:r>
+              <a:rPr lang="en-US" altLang="ko-KR" dirty="0" smtClean="0"/>
+              <a:t>- </a:t>
+            </a:r>
+            <a:r>
+              <a:rPr lang="ko-KR" altLang="en-US" dirty="0" smtClean="0"/>
+              <a:t>일반</a:t>
             </a:r>
             <a:endParaRPr lang="ko-KR" altLang="en-US" dirty="0"/>
           </a:p>
@@ -6085,14 +6067,14 @@
           <a:bodyPr/>
           <a:lstStyle/>
           <a:p>
-            <a:endParaRPr lang="ko-KR" altLang="en-US"/>
+            <a:endParaRPr lang="ko-KR" altLang="en-US" dirty="0"/>
           </a:p>
         </p:txBody>
       </p:sp>
     </p:spTree>
     <p:extLst>
       <p:ext uri="{BB962C8B-B14F-4D97-AF65-F5344CB8AC3E}">
-        <p14:creationId xmlns:p14="http://schemas.microsoft.com/office/powerpoint/2010/main" val="1286099119"/>
+        <p14:creationId xmlns:p14="http://schemas.microsoft.com/office/powerpoint/2010/main" val="2662814780"/>
       </p:ext>
     </p:extLst>
   </p:cSld>
@@ -6148,7 +6130,19 @@
             </a:r>
             <a:r>
               <a:rPr lang="ko-KR" altLang="en-US" dirty="0" smtClean="0"/>
-              <a:t> 데이터</a:t>
+              <a:t> </a:t>
+            </a:r>
+            <a:r>
+              <a:rPr lang="ko-KR" altLang="en-US" dirty="0" smtClean="0"/>
+              <a:t>데이터 </a:t>
+            </a:r>
+            <a:r>
+              <a:rPr lang="en-US" altLang="ko-KR" dirty="0" smtClean="0"/>
+              <a:t>- </a:t>
+            </a:r>
+            <a:r>
+              <a:rPr lang="ko-KR" altLang="en-US" dirty="0" smtClean="0"/>
+              <a:t>정예</a:t>
             </a:r>
             <a:endParaRPr lang="ko-KR" altLang="en-US" dirty="0"/>
           </a:p>
@@ -6176,7 +6170,7 @@
     </p:spTree>
     <p:extLst>
       <p:ext uri="{BB962C8B-B14F-4D97-AF65-F5344CB8AC3E}">
-        <p14:creationId xmlns:p14="http://schemas.microsoft.com/office/powerpoint/2010/main" val="2662814780"/>
+        <p14:creationId xmlns:p14="http://schemas.microsoft.com/office/powerpoint/2010/main" val="1275599818"/>
       </p:ext>
     </p:extLst>
   </p:cSld>
@@ -6194,6 +6188,102 @@
 </file>
 
 <file path=ppt/slides/slide23.xml><?xml version="1.0" encoding="utf-8"?>
+<p:sld xmlns:a="http://schemas.openxmlformats.org/drawingml/2006/main" xmlns:r="http://schemas.openxmlformats.org/officeDocument/2006/relationships" xmlns:p="http://schemas.openxmlformats.org/presentationml/2006/main">
+  <p:cSld>
+    <p:spTree>
+      <p:nvGrpSpPr>
+        <p:cNvPr id="1" name=""/>
+        <p:cNvGrpSpPr/>
+        <p:nvPr/>
+      </p:nvGrpSpPr>
+      <p:grpSpPr>
+        <a:xfrm>
+          <a:off x="0" y="0"/>
+          <a:ext cx="0" cy="0"/>
+          <a:chOff x="0" y="0"/>
+          <a:chExt cx="0" cy="0"/>
+        </a:xfrm>
+      </p:grpSpPr>
+      <p:sp>
+        <p:nvSpPr>
+          <p:cNvPr id="2" name="제목 1"/>
+          <p:cNvSpPr>
+            <a:spLocks noGrp="1"/>
+          </p:cNvSpPr>
+          <p:nvPr>
+            <p:ph type="title"/>
+          </p:nvPr>
+        </p:nvSpPr>
+        <p:spPr/>
+        <p:txBody>
+          <a:bodyPr/>
+          <a:lstStyle/>
+          <a:p>
+            <a:pPr algn="l"/>
+            <a:r>
+              <a:rPr lang="ko-KR" altLang="en-US" dirty="0" err="1" smtClean="0"/>
+              <a:t>몬스터</a:t>
+            </a:r>
+            <a:r>
+              <a:rPr lang="ko-KR" altLang="en-US" dirty="0" smtClean="0"/>
+              <a:t> </a:t>
+            </a:r>
+            <a:r>
+              <a:rPr lang="ko-KR" altLang="en-US" dirty="0" smtClean="0"/>
+              <a:t>데이터 </a:t>
+            </a:r>
+            <a:r>
+              <a:rPr lang="en-US" altLang="ko-KR" dirty="0" smtClean="0"/>
+              <a:t>- </a:t>
+            </a:r>
+            <a:r>
+              <a:rPr lang="ko-KR" altLang="en-US" dirty="0" smtClean="0"/>
+              <a:t>보스</a:t>
+            </a:r>
+            <a:endParaRPr lang="ko-KR" altLang="en-US" dirty="0"/>
+          </a:p>
+        </p:txBody>
+      </p:sp>
+      <p:sp>
+        <p:nvSpPr>
+          <p:cNvPr id="3" name="내용 개체 틀 2"/>
+          <p:cNvSpPr>
+            <a:spLocks noGrp="1"/>
+          </p:cNvSpPr>
+          <p:nvPr>
+            <p:ph idx="1"/>
+          </p:nvPr>
+        </p:nvSpPr>
+        <p:spPr/>
+        <p:txBody>
+          <a:bodyPr/>
+          <a:lstStyle/>
+          <a:p>
+            <a:endParaRPr lang="ko-KR" altLang="en-US" dirty="0"/>
+          </a:p>
+        </p:txBody>
+      </p:sp>
+    </p:spTree>
+    <p:extLst>
+      <p:ext uri="{BB962C8B-B14F-4D97-AF65-F5344CB8AC3E}">
+        <p14:creationId xmlns:p14="http://schemas.microsoft.com/office/powerpoint/2010/main" val="1275599818"/>
+      </p:ext>
+    </p:extLst>
+  </p:cSld>
+  <p:clrMapOvr>
+    <a:masterClrMapping/>
+  </p:clrMapOvr>
+  <p:timing>
+    <p:tnLst>
+      <p:par>
+        <p:cTn id="1" dur="indefinite" restart="never" nodeType="tmRoot"/>
+      </p:par>
+    </p:tnLst>
+  </p:timing>
+</p:sld>
+</file>
+
+<file path=ppt/slides/slide24.xml><?xml version="1.0" encoding="utf-8"?>
 <p:sld xmlns:a="http://schemas.openxmlformats.org/drawingml/2006/main" xmlns:r="http://schemas.openxmlformats.org/officeDocument/2006/relationships" xmlns:p="http://schemas.openxmlformats.org/presentationml/2006/main">
   <p:cSld>
     <p:spTree>
@@ -6648,7 +6738,7 @@
             <p:ph idx="1"/>
             <p:extLst>
               <p:ext uri="{D42A27DB-BD31-4B8C-83A1-F6EECF244321}">
-                <p14:modId xmlns:p14="http://schemas.microsoft.com/office/powerpoint/2010/main" val="1626735689"/>
+                <p14:modId xmlns:p14="http://schemas.microsoft.com/office/powerpoint/2010/main" val="3323210633"/>
               </p:ext>
             </p:extLst>
           </p:nvPr>
@@ -6731,11 +6821,7 @@
                       <a:pPr algn="ctr" latinLnBrk="1"/>
                       <a:r>
                         <a:rPr lang="en-US" altLang="ko-KR" sz="1800" dirty="0" smtClean="0"/>
-                        <a:t>+</a:t>
-                      </a:r>
-                      <a:r>
-                        <a:rPr lang="ko-KR" altLang="en-US" sz="1800" dirty="0" smtClean="0"/>
-                        <a:t>카드게임</a:t>
+                        <a:t>+CCG</a:t>
                       </a:r>
                       <a:endParaRPr lang="ko-KR" altLang="en-US" sz="1800" dirty="0"/>
                     </a:p>
@@ -7780,15 +7866,11 @@
             <a:pPr algn="ctr"/>
             <a:r>
               <a:rPr lang="ko-KR" altLang="en-US" sz="1600" dirty="0" smtClean="0"/>
-              <a:t>탑의 </a:t>
+              <a:t>탑의 심장부로 </a:t>
             </a:r>
             <a:r>
               <a:rPr lang="ko-KR" altLang="en-US" sz="1600" dirty="0" smtClean="0"/>
-              <a:t>심장부</a:t>
-            </a:r>
-            <a:r>
-              <a:rPr lang="ko-KR" altLang="en-US" sz="1600" dirty="0" smtClean="0"/>
-              <a:t>로 내려가서</a:t>
+              <a:t>올라가서</a:t>
             </a:r>
             <a:endParaRPr lang="en-US" altLang="ko-KR" sz="1600" dirty="0" smtClean="0"/>
           </a:p>
@@ -7944,8 +8026,8 @@
         </p:nvSpPr>
         <p:spPr>
           <a:xfrm>
-            <a:off x="5330124" y="5517232"/>
-            <a:ext cx="3166252" cy="338554"/>
+            <a:off x="5637901" y="5517232"/>
+            <a:ext cx="2550699" cy="338554"/>
           </a:xfrm>
           <a:prstGeom prst="rect">
             <a:avLst/>
@@ -7965,7 +8047,19 @@
             </a:r>
             <a:r>
               <a:rPr lang="ko-KR" altLang="en-US" sz="1600" dirty="0" smtClean="0"/>
-              <a:t>지도에서 다음 행선지를 선택</a:t>
+              <a:t>지도에서 다음 </a:t>
+            </a:r>
+            <a:r>
+              <a:rPr lang="ko-KR" altLang="en-US" sz="1600" dirty="0"/>
+              <a:t>층</a:t>
+            </a:r>
+            <a:r>
+              <a:rPr lang="ko-KR" altLang="en-US" sz="1600" dirty="0" smtClean="0"/>
+              <a:t> </a:t>
+            </a:r>
+            <a:r>
+              <a:rPr lang="ko-KR" altLang="en-US" sz="1600" dirty="0" smtClean="0"/>
+              <a:t>선택</a:t>
             </a:r>
             <a:endParaRPr lang="ko-KR" altLang="en-US" sz="1600" dirty="0"/>
           </a:p>
@@ -8156,14 +8250,6 @@
             </a:r>
             <a:r>
               <a:rPr lang="ko-KR" altLang="en-US" sz="1600" dirty="0" smtClean="0"/>
-              <a:t>미지</a:t>
-            </a:r>
-            <a:r>
-              <a:rPr lang="en-US" altLang="ko-KR" sz="1600" dirty="0" smtClean="0"/>
-              <a:t>, </a:t>
-            </a:r>
-            <a:r>
-              <a:rPr lang="ko-KR" altLang="en-US" sz="1600" dirty="0" smtClean="0"/>
               <a:t>보물</a:t>
             </a:r>
             <a:r>
@@ -8182,8 +8268,8 @@
         </p:nvSpPr>
         <p:spPr>
           <a:xfrm>
-            <a:off x="5112879" y="5468436"/>
-            <a:ext cx="3443571" cy="584775"/>
+            <a:off x="5318063" y="5468436"/>
+            <a:ext cx="3033203" cy="584775"/>
           </a:xfrm>
           <a:prstGeom prst="rect">
             <a:avLst/>
@@ -8203,7 +8289,15 @@
             </a:r>
             <a:r>
               <a:rPr lang="ko-KR" altLang="en-US" sz="1600" dirty="0" smtClean="0"/>
-              <a:t>이벤트 수행 후 다음 행선지 선택</a:t>
+              <a:t>이벤트 수행 후 다음 </a:t>
+            </a:r>
+            <a:r>
+              <a:rPr lang="ko-KR" altLang="en-US" sz="1600" dirty="0" smtClean="0"/>
+              <a:t>층 </a:t>
+            </a:r>
+            <a:r>
+              <a:rPr lang="ko-KR" altLang="en-US" sz="1600" dirty="0" smtClean="0"/>
+              <a:t>선택</a:t>
             </a:r>
             <a:endParaRPr lang="en-US" altLang="ko-KR" sz="1600" dirty="0" smtClean="0"/>
           </a:p>
@@ -8353,8 +8447,8 @@
         </p:nvSpPr>
         <p:spPr>
           <a:xfrm>
-            <a:off x="663027" y="5517232"/>
-            <a:ext cx="3280064" cy="584775"/>
+            <a:off x="904278" y="5517232"/>
+            <a:ext cx="2797561" cy="584775"/>
           </a:xfrm>
           <a:prstGeom prst="rect">
             <a:avLst/>
@@ -8374,7 +8468,15 @@
             </a:r>
             <a:r>
               <a:rPr lang="ko-KR" altLang="en-US" sz="1600" dirty="0" smtClean="0"/>
-              <a:t>이벤트 수행 중 체력이 </a:t>
+              <a:t>이벤트 </a:t>
+            </a:r>
+            <a:r>
+              <a:rPr lang="ko-KR" altLang="en-US" sz="1600" dirty="0" smtClean="0"/>
+              <a:t>중 </a:t>
+            </a:r>
+            <a:r>
+              <a:rPr lang="ko-KR" altLang="en-US" sz="1600" dirty="0" smtClean="0"/>
+              <a:t>체력이 </a:t>
             </a:r>
             <a:r>
               <a:rPr lang="en-US" altLang="ko-KR" sz="1600" dirty="0" smtClean="0"/>
